--- a/Lectures/Week09/Projects.pptx
+++ b/Lectures/Week09/Projects.pptx
@@ -3346,7 +3346,7 @@
             </a:pPr>
             <a:r>
               <a:rPr lang="en-US" dirty="0"/>
-              <a:t>You are free to use any resources, but you must cite all them.</a:t>
+              <a:t>You are free to use any resources, but you must cite all of them.</a:t>
             </a:r>
             <a:br>
               <a:rPr lang="en-US" dirty="0"/>
@@ -5123,7 +5123,7 @@
                     </a:solidFill>
                     <a:latin typeface="+mn-lt"/>
                   </a:rPr>
-                  <a:t>Dataset</a:t>
+                  <a:t>Data set</a:t>
                 </a:r>
                 <a:r>
                   <a:rPr lang="en-US" dirty="0">
@@ -5184,7 +5184,13 @@
                             <a:rPr lang="en-US" b="0" i="1" smtClean="0">
                               <a:latin typeface="Cambria Math" panose="02040503050406030204" pitchFamily="18" charset="0"/>
                             </a:rPr>
-                            <m:t>𝑑𝑥</m:t>
+                            <m:t>𝑑</m:t>
+                          </m:r>
+                          <m:r>
+                            <a:rPr lang="en-US" b="0" i="1" smtClean="0">
+                              <a:latin typeface="Cambria Math" panose="02040503050406030204" pitchFamily="18" charset="0"/>
+                            </a:rPr>
+                            <m:t>𝑥</m:t>
                           </m:r>
                         </m:den>
                       </m:f>
@@ -6067,8 +6073,8 @@
           <a:chExt cx="0" cy="0"/>
         </a:xfrm>
       </p:grpSpPr>
-      <mc:AlternateContent xmlns:mc="http://schemas.openxmlformats.org/markup-compatibility/2006">
-        <mc:Choice xmlns:a14="http://schemas.microsoft.com/office/drawing/2010/main" Requires="a14">
+      <mc:AlternateContent xmlns:mc="http://schemas.openxmlformats.org/markup-compatibility/2006" xmlns:a14="http://schemas.microsoft.com/office/drawing/2010/main">
+        <mc:Choice Requires="a14">
           <p:sp>
             <p:nvSpPr>
               <p:cNvPr id="8" name="Content Placeholder 7">
@@ -6544,7 +6550,7 @@
             </p:txBody>
           </p:sp>
         </mc:Choice>
-        <mc:Fallback>
+        <mc:Fallback xmlns="">
           <p:sp>
             <p:nvSpPr>
               <p:cNvPr id="8" name="Content Placeholder 7">
